--- a/PowerShell Task 2 Defend.pptx
+++ b/PowerShell Task 2 Defend.pptx
@@ -110,6 +110,11 @@
       </a:defRPr>
     </a:lvl9pPr>
   </p:defaultTextStyle>
+  <p:extLst>
+    <p:ext uri="{EFAFB233-063F-42B5-8137-9DF3F51BA10A}">
+      <p15:sldGuideLst xmlns:p15="http://schemas.microsoft.com/office/powerpoint/2012/main"/>
+    </p:ext>
+  </p:extLst>
 </p:presentation>
 </file>
 
@@ -4226,8 +4231,8 @@
         </p:nvSpPr>
         <p:spPr>
           <a:xfrm>
-            <a:off x="2805193" y="5191932"/>
-            <a:ext cx="2221237" cy="923330"/>
+            <a:off x="357051" y="5191932"/>
+            <a:ext cx="4669379" cy="1477328"/>
           </a:xfrm>
           <a:prstGeom prst="rect">
             <a:avLst/>
@@ -4255,6 +4260,32 @@
               </a:rPr>
               <a:t>Student ID: 12241028</a:t>
             </a:r>
+            <a:br>
+              <a:rPr lang="en-AU" sz="1800" dirty="0">
+                <a:effectLst/>
+                <a:latin typeface="Calibri" panose="020F0502020204030204" pitchFamily="34" charset="0"/>
+                <a:ea typeface="Times New Roman" panose="02020603050405020304" pitchFamily="18" charset="0"/>
+                <a:cs typeface="Calibri" panose="020F0502020204030204" pitchFamily="34" charset="0"/>
+              </a:rPr>
+            </a:br>
+            <a:r>
+              <a:rPr lang="en-AU" sz="1800" dirty="0">
+                <a:effectLst/>
+                <a:latin typeface="Calibri" panose="020F0502020204030204" pitchFamily="34" charset="0"/>
+                <a:ea typeface="Times New Roman" panose="02020603050405020304" pitchFamily="18" charset="0"/>
+                <a:cs typeface="Calibri" panose="020F0502020204030204" pitchFamily="34" charset="0"/>
+                <a:hlinkClick r:id="rId3"/>
+              </a:rPr>
+              <a:t>https://github.com/TimPortFoliHo/ePortfolio.git</a:t>
+            </a:r>
+            <a:endParaRPr lang="en-AU" sz="1800" dirty="0">
+              <a:effectLst/>
+              <a:latin typeface="Calibri" panose="020F0502020204030204" pitchFamily="34" charset="0"/>
+              <a:ea typeface="Times New Roman" panose="02020603050405020304" pitchFamily="18" charset="0"/>
+              <a:cs typeface="Calibri" panose="020F0502020204030204" pitchFamily="34" charset="0"/>
+            </a:endParaRPr>
+          </a:p>
+          <a:p>
             <a:endParaRPr lang="en-AU" sz="1800" dirty="0">
               <a:effectLst/>
               <a:latin typeface="Calibri" panose="020F0502020204030204" pitchFamily="34" charset="0"/>
